--- a/velukkannan naan mudhalvan project 2.pptx
+++ b/velukkannan naan mudhalvan project 2.pptx
@@ -10125,7 +10125,7 @@
         <p:spPr>
           <a:xfrm>
             <a:off x="2554542" y="3314150"/>
-            <a:ext cx="8610600" cy="1938992"/>
+            <a:ext cx="8610600" cy="2308324"/>
           </a:xfrm>
           <a:prstGeom prst="rect">
             <a:avLst/>
@@ -10163,7 +10163,17 @@
             </a:r>
             <a:r>
               <a:rPr lang="en-US" sz="2400" dirty="0" smtClean="0"/>
-              <a:t>: 312201217</a:t>
+              <a:t>: </a:t>
+            </a:r>
+            <a:r>
+              <a:rPr lang="en-US" sz="2400" dirty="0" smtClean="0"/>
+              <a:t>312201217</a:t>
+            </a:r>
+          </a:p>
+          <a:p>
+            <a:r>
+              <a:rPr lang="en-US" sz="2400" dirty="0"/>
+              <a:t>NAAN MUDHALAVAN USERNAME:asunm110312201217</a:t>
             </a:r>
             <a:endParaRPr lang="en-US" sz="2400" dirty="0"/>
           </a:p>

--- a/velukkannan naan mudhalvan project 2.pptx
+++ b/velukkannan naan mudhalvan project 2.pptx
@@ -3639,7 +3639,7 @@
           <a:p>
             <a:fld id="{84B86612-B127-4CD0-BF15-66D49A7175F7}" type="datetimeFigureOut">
               <a:rPr lang="en-IN" smtClean="0"/>
-              <a:t>03-09-2024</a:t>
+              <a:t>04-09-2024</a:t>
             </a:fld>
             <a:endParaRPr lang="en-IN"/>
           </a:p>
@@ -4204,7 +4204,7 @@
           <a:p>
             <a:fld id="{1D8BD707-D9CF-40AE-B4C6-C98DA3205C09}" type="datetimeFigureOut">
               <a:rPr lang="en-US" smtClean="0"/>
-              <a:t>9/3/2024</a:t>
+              <a:t>9/4/2024</a:t>
             </a:fld>
             <a:endParaRPr lang="en-US"/>
           </a:p>
@@ -4503,7 +4503,7 @@
           <a:p>
             <a:fld id="{1D8BD707-D9CF-40AE-B4C6-C98DA3205C09}" type="datetimeFigureOut">
               <a:rPr lang="en-US" smtClean="0"/>
-              <a:t>9/3/2024</a:t>
+              <a:t>9/4/2024</a:t>
             </a:fld>
             <a:endParaRPr lang="en-US"/>
           </a:p>
@@ -4770,7 +4770,7 @@
           <a:p>
             <a:fld id="{1D8BD707-D9CF-40AE-B4C6-C98DA3205C09}" type="datetimeFigureOut">
               <a:rPr lang="en-US" smtClean="0"/>
-              <a:t>9/3/2024</a:t>
+              <a:t>9/4/2024</a:t>
             </a:fld>
             <a:endParaRPr lang="en-US"/>
           </a:p>
@@ -5247,7 +5247,7 @@
           <a:p>
             <a:fld id="{1D8BD707-D9CF-40AE-B4C6-C98DA3205C09}" type="datetimeFigureOut">
               <a:rPr lang="en-US" smtClean="0"/>
-              <a:t>9/3/2024</a:t>
+              <a:t>9/4/2024</a:t>
             </a:fld>
             <a:endParaRPr lang="en-US"/>
           </a:p>
@@ -5435,7 +5435,7 @@
           <a:p>
             <a:fld id="{1D8BD707-D9CF-40AE-B4C6-C98DA3205C09}" type="datetimeFigureOut">
               <a:rPr lang="en-US" smtClean="0"/>
-              <a:t>9/3/2024</a:t>
+              <a:t>9/4/2024</a:t>
             </a:fld>
             <a:endParaRPr lang="en-US"/>
           </a:p>
@@ -6019,7 +6019,7 @@
           <a:p>
             <a:fld id="{1D8BD707-D9CF-40AE-B4C6-C98DA3205C09}" type="datetimeFigureOut">
               <a:rPr lang="en-US" smtClean="0"/>
-              <a:t>9/3/2024</a:t>
+              <a:t>9/4/2024</a:t>
             </a:fld>
             <a:endParaRPr lang="en-US"/>
           </a:p>
@@ -6359,7 +6359,7 @@
           <a:p>
             <a:fld id="{1D8BD707-D9CF-40AE-B4C6-C98DA3205C09}" type="datetimeFigureOut">
               <a:rPr lang="en-US" smtClean="0"/>
-              <a:t>9/3/2024</a:t>
+              <a:t>9/4/2024</a:t>
             </a:fld>
             <a:endParaRPr lang="en-US"/>
           </a:p>
@@ -6542,7 +6542,7 @@
           <a:p>
             <a:fld id="{1D8BD707-D9CF-40AE-B4C6-C98DA3205C09}" type="datetimeFigureOut">
               <a:rPr lang="en-US" smtClean="0"/>
-              <a:t>9/3/2024</a:t>
+              <a:t>9/4/2024</a:t>
             </a:fld>
             <a:endParaRPr lang="en-US"/>
           </a:p>
@@ -6730,7 +6730,7 @@
           <a:p>
             <a:fld id="{1D8BD707-D9CF-40AE-B4C6-C98DA3205C09}" type="datetimeFigureOut">
               <a:rPr lang="en-US" smtClean="0"/>
-              <a:t>9/3/2024</a:t>
+              <a:t>9/4/2024</a:t>
             </a:fld>
             <a:endParaRPr lang="en-US"/>
           </a:p>
@@ -6908,7 +6908,7 @@
           <a:p>
             <a:fld id="{1D8BD707-D9CF-40AE-B4C6-C98DA3205C09}" type="datetimeFigureOut">
               <a:rPr lang="en-US" smtClean="0"/>
-              <a:t>9/3/2024</a:t>
+              <a:t>9/4/2024</a:t>
             </a:fld>
             <a:endParaRPr lang="en-US"/>
           </a:p>
@@ -7173,7 +7173,7 @@
           <a:p>
             <a:fld id="{1D8BD707-D9CF-40AE-B4C6-C98DA3205C09}" type="datetimeFigureOut">
               <a:rPr lang="en-US" smtClean="0"/>
-              <a:t>9/3/2024</a:t>
+              <a:t>9/4/2024</a:t>
             </a:fld>
             <a:endParaRPr lang="en-US"/>
           </a:p>
@@ -7473,7 +7473,7 @@
           <a:p>
             <a:fld id="{1D8BD707-D9CF-40AE-B4C6-C98DA3205C09}" type="datetimeFigureOut">
               <a:rPr lang="en-US" smtClean="0"/>
-              <a:t>9/3/2024</a:t>
+              <a:t>9/4/2024</a:t>
             </a:fld>
             <a:endParaRPr lang="en-US"/>
           </a:p>
@@ -7911,7 +7911,7 @@
           <a:p>
             <a:fld id="{1D8BD707-D9CF-40AE-B4C6-C98DA3205C09}" type="datetimeFigureOut">
               <a:rPr lang="en-US" smtClean="0"/>
-              <a:t>9/3/2024</a:t>
+              <a:t>9/4/2024</a:t>
             </a:fld>
             <a:endParaRPr lang="en-US"/>
           </a:p>
@@ -8037,7 +8037,7 @@
           <a:p>
             <a:fld id="{1D8BD707-D9CF-40AE-B4C6-C98DA3205C09}" type="datetimeFigureOut">
               <a:rPr lang="en-US" smtClean="0"/>
-              <a:t>9/3/2024</a:t>
+              <a:t>9/4/2024</a:t>
             </a:fld>
             <a:endParaRPr lang="en-US"/>
           </a:p>
@@ -8140,7 +8140,7 @@
           <a:p>
             <a:fld id="{1D8BD707-D9CF-40AE-B4C6-C98DA3205C09}" type="datetimeFigureOut">
               <a:rPr lang="en-US" smtClean="0"/>
-              <a:t>9/3/2024</a:t>
+              <a:t>9/4/2024</a:t>
             </a:fld>
             <a:endParaRPr lang="en-US"/>
           </a:p>
@@ -8431,7 +8431,7 @@
           <a:p>
             <a:fld id="{1D8BD707-D9CF-40AE-B4C6-C98DA3205C09}" type="datetimeFigureOut">
               <a:rPr lang="en-US" smtClean="0"/>
-              <a:t>9/3/2024</a:t>
+              <a:t>9/4/2024</a:t>
             </a:fld>
             <a:endParaRPr lang="en-US"/>
           </a:p>
@@ -8730,7 +8730,7 @@
           <a:p>
             <a:fld id="{1D8BD707-D9CF-40AE-B4C6-C98DA3205C09}" type="datetimeFigureOut">
               <a:rPr lang="en-US" smtClean="0"/>
-              <a:t>9/3/2024</a:t>
+              <a:t>9/4/2024</a:t>
             </a:fld>
             <a:endParaRPr lang="en-US"/>
           </a:p>
@@ -8969,7 +8969,7 @@
           <a:p>
             <a:fld id="{1D8BD707-D9CF-40AE-B4C6-C98DA3205C09}" type="datetimeFigureOut">
               <a:rPr lang="en-US" smtClean="0"/>
-              <a:t>9/3/2024</a:t>
+              <a:t>9/4/2024</a:t>
             </a:fld>
             <a:endParaRPr lang="en-US"/>
           </a:p>
@@ -10163,11 +10163,7 @@
             </a:r>
             <a:r>
               <a:rPr lang="en-US" sz="2400" dirty="0" smtClean="0"/>
-              <a:t>: </a:t>
-            </a:r>
-            <a:r>
-              <a:rPr lang="en-US" sz="2400" dirty="0" smtClean="0"/>
-              <a:t>312201217</a:t>
+              <a:t>: 312201217</a:t>
             </a:r>
           </a:p>
           <a:p>
@@ -10175,7 +10171,6 @@
               <a:rPr lang="en-US" sz="2400" dirty="0"/>
               <a:t>NAAN MUDHALAVAN USERNAME:asunm110312201217</a:t>
             </a:r>
-            <a:endParaRPr lang="en-US" sz="2400" dirty="0"/>
           </a:p>
           <a:p>
             <a:r>
@@ -13195,6 +13190,33 @@
               </a:rPr>
               <a:t>total 9 features from a to h</a:t>
             </a:r>
+            <a:r>
+              <a:rPr lang="en-IN" b="1" i="1" smtClean="0">
+                <a:latin typeface="+mn-lt"/>
+                <a:cs typeface="Arial" panose="020B0604020202020204" pitchFamily="34" charset="0"/>
+              </a:rPr>
+              <a:t/>
+            </a:r>
+            <a:br>
+              <a:rPr lang="en-IN" b="1" i="1" smtClean="0">
+                <a:latin typeface="+mn-lt"/>
+                <a:cs typeface="Arial" panose="020B0604020202020204" pitchFamily="34" charset="0"/>
+              </a:rPr>
+            </a:br>
+            <a:r>
+              <a:rPr lang="en-IN" b="1" i="1" smtClean="0">
+                <a:latin typeface="+mn-lt"/>
+                <a:cs typeface="Arial" panose="020B0604020202020204" pitchFamily="34" charset="0"/>
+              </a:rPr>
+              <a:t>3 </a:t>
+            </a:r>
+            <a:r>
+              <a:rPr lang="en-IN" b="1" i="1" dirty="0" smtClean="0">
+                <a:latin typeface="+mn-lt"/>
+                <a:cs typeface="Arial" panose="020B0604020202020204" pitchFamily="34" charset="0"/>
+              </a:rPr>
+              <a:t>features were taken</a:t>
+            </a:r>
             <a:br>
               <a:rPr lang="en-IN" b="1" i="1" dirty="0" smtClean="0">
                 <a:latin typeface="+mn-lt"/>
@@ -13206,7 +13228,7 @@
                 <a:latin typeface="+mn-lt"/>
                 <a:cs typeface="Arial" panose="020B0604020202020204" pitchFamily="34" charset="0"/>
               </a:rPr>
-              <a:t>4 features were taken</a:t>
+              <a:t>gender-male female</a:t>
             </a:r>
             <a:br>
               <a:rPr lang="en-IN" b="1" i="1" dirty="0" smtClean="0">
@@ -13215,37 +13237,25 @@
               </a:rPr>
             </a:br>
             <a:r>
+              <a:rPr lang="en-IN" b="1" i="1" smtClean="0">
+                <a:latin typeface="+mn-lt"/>
+                <a:cs typeface="Arial" panose="020B0604020202020204" pitchFamily="34" charset="0"/>
+              </a:rPr>
+              <a:t> </a:t>
+            </a:r>
+            <a:r>
+              <a:rPr lang="en-IN" b="1" i="1" smtClean="0">
+                <a:latin typeface="+mn-lt"/>
+                <a:cs typeface="Arial" panose="020B0604020202020204" pitchFamily="34" charset="0"/>
+              </a:rPr>
+              <a:t>salary-number</a:t>
+            </a:r>
+            <a:r>
               <a:rPr lang="en-IN" b="1" i="1" dirty="0" smtClean="0">
                 <a:latin typeface="+mn-lt"/>
                 <a:cs typeface="Arial" panose="020B0604020202020204" pitchFamily="34" charset="0"/>
               </a:rPr>
-              <a:t>gender-male female</a:t>
-            </a:r>
-            <a:br>
-              <a:rPr lang="en-IN" b="1" i="1" dirty="0" smtClean="0">
-                <a:latin typeface="+mn-lt"/>
-                <a:cs typeface="Arial" panose="020B0604020202020204" pitchFamily="34" charset="0"/>
-              </a:rPr>
-            </a:br>
-            <a:r>
-              <a:rPr lang="en-IN" b="1" i="1" dirty="0" smtClean="0">
-                <a:latin typeface="+mn-lt"/>
-                <a:cs typeface="Arial" panose="020B0604020202020204" pitchFamily="34" charset="0"/>
-              </a:rPr>
-              <a:t> salary-number</a:t>
-            </a:r>
-            <a:br>
-              <a:rPr lang="en-IN" b="1" i="1" dirty="0" smtClean="0">
-                <a:latin typeface="+mn-lt"/>
-                <a:cs typeface="Arial" panose="020B0604020202020204" pitchFamily="34" charset="0"/>
-              </a:rPr>
-            </a:br>
-            <a:r>
-              <a:rPr lang="en-IN" b="1" i="1" dirty="0" smtClean="0">
-                <a:latin typeface="+mn-lt"/>
-                <a:cs typeface="Arial" panose="020B0604020202020204" pitchFamily="34" charset="0"/>
-              </a:rPr>
-              <a:t>work location-text</a:t>
+              <a:t/>
             </a:r>
             <a:br>
               <a:rPr lang="en-IN" b="1" i="1" dirty="0" smtClean="0">

--- a/velukkannan naan mudhalvan project 2.pptx
+++ b/velukkannan naan mudhalvan project 2.pptx
@@ -3639,7 +3639,7 @@
           <a:p>
             <a:fld id="{84B86612-B127-4CD0-BF15-66D49A7175F7}" type="datetimeFigureOut">
               <a:rPr lang="en-IN" smtClean="0"/>
-              <a:t>04-09-2024</a:t>
+              <a:t>10-09-2024</a:t>
             </a:fld>
             <a:endParaRPr lang="en-IN"/>
           </a:p>
@@ -4204,7 +4204,7 @@
           <a:p>
             <a:fld id="{1D8BD707-D9CF-40AE-B4C6-C98DA3205C09}" type="datetimeFigureOut">
               <a:rPr lang="en-US" smtClean="0"/>
-              <a:t>9/4/2024</a:t>
+              <a:t>9/10/2024</a:t>
             </a:fld>
             <a:endParaRPr lang="en-US"/>
           </a:p>
@@ -4503,7 +4503,7 @@
           <a:p>
             <a:fld id="{1D8BD707-D9CF-40AE-B4C6-C98DA3205C09}" type="datetimeFigureOut">
               <a:rPr lang="en-US" smtClean="0"/>
-              <a:t>9/4/2024</a:t>
+              <a:t>9/10/2024</a:t>
             </a:fld>
             <a:endParaRPr lang="en-US"/>
           </a:p>
@@ -4770,7 +4770,7 @@
           <a:p>
             <a:fld id="{1D8BD707-D9CF-40AE-B4C6-C98DA3205C09}" type="datetimeFigureOut">
               <a:rPr lang="en-US" smtClean="0"/>
-              <a:t>9/4/2024</a:t>
+              <a:t>9/10/2024</a:t>
             </a:fld>
             <a:endParaRPr lang="en-US"/>
           </a:p>
@@ -5247,7 +5247,7 @@
           <a:p>
             <a:fld id="{1D8BD707-D9CF-40AE-B4C6-C98DA3205C09}" type="datetimeFigureOut">
               <a:rPr lang="en-US" smtClean="0"/>
-              <a:t>9/4/2024</a:t>
+              <a:t>9/10/2024</a:t>
             </a:fld>
             <a:endParaRPr lang="en-US"/>
           </a:p>
@@ -5435,7 +5435,7 @@
           <a:p>
             <a:fld id="{1D8BD707-D9CF-40AE-B4C6-C98DA3205C09}" type="datetimeFigureOut">
               <a:rPr lang="en-US" smtClean="0"/>
-              <a:t>9/4/2024</a:t>
+              <a:t>9/10/2024</a:t>
             </a:fld>
             <a:endParaRPr lang="en-US"/>
           </a:p>
@@ -6019,7 +6019,7 @@
           <a:p>
             <a:fld id="{1D8BD707-D9CF-40AE-B4C6-C98DA3205C09}" type="datetimeFigureOut">
               <a:rPr lang="en-US" smtClean="0"/>
-              <a:t>9/4/2024</a:t>
+              <a:t>9/10/2024</a:t>
             </a:fld>
             <a:endParaRPr lang="en-US"/>
           </a:p>
@@ -6359,7 +6359,7 @@
           <a:p>
             <a:fld id="{1D8BD707-D9CF-40AE-B4C6-C98DA3205C09}" type="datetimeFigureOut">
               <a:rPr lang="en-US" smtClean="0"/>
-              <a:t>9/4/2024</a:t>
+              <a:t>9/10/2024</a:t>
             </a:fld>
             <a:endParaRPr lang="en-US"/>
           </a:p>
@@ -6542,7 +6542,7 @@
           <a:p>
             <a:fld id="{1D8BD707-D9CF-40AE-B4C6-C98DA3205C09}" type="datetimeFigureOut">
               <a:rPr lang="en-US" smtClean="0"/>
-              <a:t>9/4/2024</a:t>
+              <a:t>9/10/2024</a:t>
             </a:fld>
             <a:endParaRPr lang="en-US"/>
           </a:p>
@@ -6730,7 +6730,7 @@
           <a:p>
             <a:fld id="{1D8BD707-D9CF-40AE-B4C6-C98DA3205C09}" type="datetimeFigureOut">
               <a:rPr lang="en-US" smtClean="0"/>
-              <a:t>9/4/2024</a:t>
+              <a:t>9/10/2024</a:t>
             </a:fld>
             <a:endParaRPr lang="en-US"/>
           </a:p>
@@ -6908,7 +6908,7 @@
           <a:p>
             <a:fld id="{1D8BD707-D9CF-40AE-B4C6-C98DA3205C09}" type="datetimeFigureOut">
               <a:rPr lang="en-US" smtClean="0"/>
-              <a:t>9/4/2024</a:t>
+              <a:t>9/10/2024</a:t>
             </a:fld>
             <a:endParaRPr lang="en-US"/>
           </a:p>
@@ -7173,7 +7173,7 @@
           <a:p>
             <a:fld id="{1D8BD707-D9CF-40AE-B4C6-C98DA3205C09}" type="datetimeFigureOut">
               <a:rPr lang="en-US" smtClean="0"/>
-              <a:t>9/4/2024</a:t>
+              <a:t>9/10/2024</a:t>
             </a:fld>
             <a:endParaRPr lang="en-US"/>
           </a:p>
@@ -7473,7 +7473,7 @@
           <a:p>
             <a:fld id="{1D8BD707-D9CF-40AE-B4C6-C98DA3205C09}" type="datetimeFigureOut">
               <a:rPr lang="en-US" smtClean="0"/>
-              <a:t>9/4/2024</a:t>
+              <a:t>9/10/2024</a:t>
             </a:fld>
             <a:endParaRPr lang="en-US"/>
           </a:p>
@@ -7911,7 +7911,7 @@
           <a:p>
             <a:fld id="{1D8BD707-D9CF-40AE-B4C6-C98DA3205C09}" type="datetimeFigureOut">
               <a:rPr lang="en-US" smtClean="0"/>
-              <a:t>9/4/2024</a:t>
+              <a:t>9/10/2024</a:t>
             </a:fld>
             <a:endParaRPr lang="en-US"/>
           </a:p>
@@ -8037,7 +8037,7 @@
           <a:p>
             <a:fld id="{1D8BD707-D9CF-40AE-B4C6-C98DA3205C09}" type="datetimeFigureOut">
               <a:rPr lang="en-US" smtClean="0"/>
-              <a:t>9/4/2024</a:t>
+              <a:t>9/10/2024</a:t>
             </a:fld>
             <a:endParaRPr lang="en-US"/>
           </a:p>
@@ -8140,7 +8140,7 @@
           <a:p>
             <a:fld id="{1D8BD707-D9CF-40AE-B4C6-C98DA3205C09}" type="datetimeFigureOut">
               <a:rPr lang="en-US" smtClean="0"/>
-              <a:t>9/4/2024</a:t>
+              <a:t>9/10/2024</a:t>
             </a:fld>
             <a:endParaRPr lang="en-US"/>
           </a:p>
@@ -8431,7 +8431,7 @@
           <a:p>
             <a:fld id="{1D8BD707-D9CF-40AE-B4C6-C98DA3205C09}" type="datetimeFigureOut">
               <a:rPr lang="en-US" smtClean="0"/>
-              <a:t>9/4/2024</a:t>
+              <a:t>9/10/2024</a:t>
             </a:fld>
             <a:endParaRPr lang="en-US"/>
           </a:p>
@@ -8730,7 +8730,7 @@
           <a:p>
             <a:fld id="{1D8BD707-D9CF-40AE-B4C6-C98DA3205C09}" type="datetimeFigureOut">
               <a:rPr lang="en-US" smtClean="0"/>
-              <a:t>9/4/2024</a:t>
+              <a:t>9/10/2024</a:t>
             </a:fld>
             <a:endParaRPr lang="en-US"/>
           </a:p>
@@ -8969,7 +8969,7 @@
           <a:p>
             <a:fld id="{1D8BD707-D9CF-40AE-B4C6-C98DA3205C09}" type="datetimeFigureOut">
               <a:rPr lang="en-US" smtClean="0"/>
-              <a:t>9/4/2024</a:t>
+              <a:t>9/10/2024</a:t>
             </a:fld>
             <a:endParaRPr lang="en-US"/>
           </a:p>
@@ -9937,7 +9937,7 @@
         </p:nvSpPr>
         <p:spPr>
           <a:xfrm>
-            <a:off x="3800475" y="5229225"/>
+            <a:off x="668482" y="5446712"/>
             <a:ext cx="723900" cy="619125"/>
           </a:xfrm>
           <a:custGeom>
@@ -10125,7 +10125,7 @@
         <p:spPr>
           <a:xfrm>
             <a:off x="2554542" y="3314150"/>
-            <a:ext cx="8610600" cy="2308324"/>
+            <a:ext cx="8610600" cy="3046988"/>
           </a:xfrm>
           <a:prstGeom prst="rect">
             <a:avLst/>
@@ -10169,8 +10169,19 @@
           <a:p>
             <a:r>
               <a:rPr lang="en-US" sz="2400" dirty="0"/>
-              <a:t>NAAN MUDHALAVAN USERNAME:asunm110312201217</a:t>
-            </a:r>
+              <a:t>NAAN MUDHALAVAN </a:t>
+            </a:r>
+            <a:r>
+              <a:rPr lang="en-US" sz="2400" dirty="0" smtClean="0"/>
+              <a:t>USERNAME:asunm110312201217</a:t>
+            </a:r>
+          </a:p>
+          <a:p>
+            <a:r>
+              <a:rPr lang="en-US" sz="2400"/>
+              <a:t>NAAN MUDHALVAN ID:DB1F3EFDABEA2879FD144B5D48E290D3</a:t>
+            </a:r>
+            <a:endParaRPr lang="en-US" sz="2400" dirty="0"/>
           </a:p>
           <a:p>
             <a:r>
@@ -13241,14 +13252,7 @@
                 <a:latin typeface="+mn-lt"/>
                 <a:cs typeface="Arial" panose="020B0604020202020204" pitchFamily="34" charset="0"/>
               </a:rPr>
-              <a:t> </a:t>
-            </a:r>
-            <a:r>
-              <a:rPr lang="en-IN" b="1" i="1" smtClean="0">
-                <a:latin typeface="+mn-lt"/>
-                <a:cs typeface="Arial" panose="020B0604020202020204" pitchFamily="34" charset="0"/>
-              </a:rPr>
-              <a:t>salary-number</a:t>
+              <a:t> salary-number</a:t>
             </a:r>
             <a:r>
               <a:rPr lang="en-IN" b="1" i="1" dirty="0" smtClean="0">
